--- a/PPT/Go 08.pptx
+++ b/PPT/Go 08.pptx
@@ -4914,7 +4914,7 @@
           <a:p>
             <a:fld id="{397E0307-B85C-446A-8EF0-0407D435D787}" type="datetimeFigureOut">
               <a:rPr lang="en-US" smtClean="0"/>
-              <a:t>8/3/2020</a:t>
+              <a:t>9/26/2021</a:t>
             </a:fld>
             <a:endParaRPr lang="en-US" dirty="0"/>
           </a:p>
@@ -5328,7 +5328,7 @@
           <a:p>
             <a:fld id="{8BD862E7-95FA-4FC4-9EC5-DDBFA8DC7417}" type="datetimeFigureOut">
               <a:rPr lang="en-US" smtClean="0"/>
-              <a:t>8/3/2020</a:t>
+              <a:t>9/26/2021</a:t>
             </a:fld>
             <a:endParaRPr lang="en-US" dirty="0"/>
           </a:p>
@@ -5664,7 +5664,7 @@
           <a:p>
             <a:fld id="{8DB987F2-A784-4F72-BB57-0E9EACDE722E}" type="datetimeFigureOut">
               <a:rPr lang="en-US" smtClean="0"/>
-              <a:t>8/3/2020</a:t>
+              <a:t>9/26/2021</a:t>
             </a:fld>
             <a:endParaRPr lang="en-US" dirty="0"/>
           </a:p>
@@ -6069,7 +6069,7 @@
           <a:p>
             <a:fld id="{40BBD51E-4B19-444E-85C0-DBD7EB6263F4}" type="datetimeFigureOut">
               <a:rPr lang="en-US" smtClean="0"/>
-              <a:t>8/3/2020</a:t>
+              <a:t>9/26/2021</a:t>
             </a:fld>
             <a:endParaRPr lang="en-US" dirty="0"/>
           </a:p>
@@ -6637,7 +6637,7 @@
           <a:p>
             <a:fld id="{F0D7255A-4AD5-4D3E-9A0A-689DA3BA976C}" type="datetimeFigureOut">
               <a:rPr lang="en-US" smtClean="0"/>
-              <a:t>8/3/2020</a:t>
+              <a:t>9/26/2021</a:t>
             </a:fld>
             <a:endParaRPr lang="en-US" dirty="0"/>
           </a:p>
@@ -7318,7 +7318,7 @@
           <a:p>
             <a:fld id="{3EE0AD15-87AC-45B2-9EE5-8D165AF83CD7}" type="datetimeFigureOut">
               <a:rPr lang="en-US" smtClean="0"/>
-              <a:t>8/3/2020</a:t>
+              <a:t>9/26/2021</a:t>
             </a:fld>
             <a:endParaRPr lang="en-US" dirty="0"/>
           </a:p>
@@ -8231,7 +8231,7 @@
           <a:p>
             <a:fld id="{FCC40CCD-F0D6-4CC2-A4C8-2D7D0D875F02}" type="datetimeFigureOut">
               <a:rPr lang="en-US" smtClean="0"/>
-              <a:t>8/3/2020</a:t>
+              <a:t>9/26/2021</a:t>
             </a:fld>
             <a:endParaRPr lang="en-US" dirty="0"/>
           </a:p>
@@ -8544,7 +8544,7 @@
           <a:p>
             <a:fld id="{B3CFE2CC-454D-4466-AC55-B86DA0A87BAE}" type="datetimeFigureOut">
               <a:rPr lang="en-US" smtClean="0"/>
-              <a:t>8/3/2020</a:t>
+              <a:t>9/26/2021</a:t>
             </a:fld>
             <a:endParaRPr lang="en-US" dirty="0"/>
           </a:p>
@@ -8808,7 +8808,7 @@
           <a:p>
             <a:fld id="{B647B1BF-4039-460D-A637-65428CBD720E}" type="datetimeFigureOut">
               <a:rPr lang="en-US" smtClean="0"/>
-              <a:t>8/3/2020</a:t>
+              <a:t>9/26/2021</a:t>
             </a:fld>
             <a:endParaRPr lang="en-US" dirty="0"/>
           </a:p>
@@ -9132,7 +9132,7 @@
           <a:p>
             <a:fld id="{AAA39ACE-9343-4EBE-B5CA-AEA240A1DC53}" type="datetimeFigureOut">
               <a:rPr lang="en-US" smtClean="0"/>
-              <a:t>8/3/2020</a:t>
+              <a:t>9/26/2021</a:t>
             </a:fld>
             <a:endParaRPr lang="en-US" dirty="0"/>
           </a:p>
@@ -9521,7 +9521,7 @@
           <a:p>
             <a:fld id="{C9A00F7B-89C5-4DF7-A309-6263220147D4}" type="datetimeFigureOut">
               <a:rPr lang="en-US" smtClean="0"/>
-              <a:t>8/3/2020</a:t>
+              <a:t>9/26/2021</a:t>
             </a:fld>
             <a:endParaRPr lang="en-US" dirty="0"/>
           </a:p>
@@ -9897,7 +9897,7 @@
           <a:p>
             <a:fld id="{449C95DE-FD64-4606-AE61-EC1136867CC6}" type="datetimeFigureOut">
               <a:rPr lang="en-US" smtClean="0"/>
-              <a:t>8/3/2020</a:t>
+              <a:t>9/26/2021</a:t>
             </a:fld>
             <a:endParaRPr lang="en-US" dirty="0"/>
           </a:p>
@@ -10403,7 +10403,7 @@
           <a:p>
             <a:fld id="{5DEB0BBD-30FE-4CF1-900A-0C45149F8AF8}" type="datetimeFigureOut">
               <a:rPr lang="en-US" smtClean="0"/>
-              <a:t>8/3/2020</a:t>
+              <a:t>9/26/2021</a:t>
             </a:fld>
             <a:endParaRPr lang="en-US" dirty="0"/>
           </a:p>
@@ -10660,7 +10660,7 @@
           <a:p>
             <a:fld id="{B91A5F7F-3E81-4C65-A4D1-CB62D5B9DB91}" type="datetimeFigureOut">
               <a:rPr lang="en-US" smtClean="0"/>
-              <a:t>8/3/2020</a:t>
+              <a:t>9/26/2021</a:t>
             </a:fld>
             <a:endParaRPr lang="en-US" dirty="0"/>
           </a:p>
@@ -10823,7 +10823,7 @@
           <a:p>
             <a:fld id="{377ECC86-1672-4627-AEFE-EC5485C73905}" type="datetimeFigureOut">
               <a:rPr lang="en-US" smtClean="0"/>
-              <a:t>8/3/2020</a:t>
+              <a:t>9/26/2021</a:t>
             </a:fld>
             <a:endParaRPr lang="en-US" dirty="0"/>
           </a:p>
@@ -11213,7 +11213,7 @@
           <a:p>
             <a:fld id="{3CDCB01F-D966-4C62-B900-0BE008A90C98}" type="datetimeFigureOut">
               <a:rPr lang="en-US" smtClean="0"/>
-              <a:t>8/3/2020</a:t>
+              <a:t>9/26/2021</a:t>
             </a:fld>
             <a:endParaRPr lang="en-US" dirty="0"/>
           </a:p>
@@ -11622,7 +11622,7 @@
           <a:p>
             <a:fld id="{5E73A0EA-7DC7-4964-BB97-B173EF3B859A}" type="datetimeFigureOut">
               <a:rPr lang="en-US" smtClean="0"/>
-              <a:t>8/3/2020</a:t>
+              <a:t>9/26/2021</a:t>
             </a:fld>
             <a:endParaRPr lang="en-US" dirty="0"/>
           </a:p>
@@ -11866,7 +11866,7 @@
           <a:p>
             <a:fld id="{30EF52CC-F3D9-41D4-BCE4-C208E61A3F31}" type="datetimeFigureOut">
               <a:rPr lang="en-US" smtClean="0"/>
-              <a:t>8/3/2020</a:t>
+              <a:t>9/26/2021</a:t>
             </a:fld>
             <a:endParaRPr lang="en-US" dirty="0"/>
           </a:p>
@@ -12680,14 +12680,38 @@
           <a:p>
             <a:r>
               <a:rPr lang="zh-CN" altLang="en-US" dirty="0"/>
-              <a:t>常量和字面值的计算是在哪个阶段发生的？</a:t>
+              <a:t>常量和字面值的计算是在哪个阶段发生的</a:t>
+            </a:r>
+            <a:r>
+              <a:rPr lang="zh-CN" altLang="en-US" dirty="0" smtClean="0"/>
+              <a:t>？</a:t>
+            </a:r>
+            <a:endParaRPr lang="en-US" altLang="zh-CN" dirty="0" smtClean="0"/>
+          </a:p>
+          <a:p>
+            <a:pPr lvl="1"/>
+            <a:r>
+              <a:rPr lang="zh-CN" altLang="en-US" dirty="0" smtClean="0"/>
+              <a:t>编译阶段</a:t>
             </a:r>
             <a:endParaRPr lang="en-US" altLang="zh-CN" dirty="0"/>
           </a:p>
           <a:p>
             <a:r>
               <a:rPr lang="zh-CN" altLang="en-US" dirty="0"/>
-              <a:t>函数可以使用无类型的常量作为函数的实际传入的参数吗？</a:t>
+              <a:t>函数可以使用无类型的常量作为函数的实际传入的参数吗</a:t>
+            </a:r>
+            <a:r>
+              <a:rPr lang="zh-CN" altLang="en-US" dirty="0" smtClean="0"/>
+              <a:t>？</a:t>
+            </a:r>
+            <a:endParaRPr lang="en-US" altLang="zh-CN" dirty="0" smtClean="0"/>
+          </a:p>
+          <a:p>
+            <a:pPr lvl="1"/>
+            <a:r>
+              <a:rPr lang="zh-CN" altLang="en-US" dirty="0" smtClean="0"/>
+              <a:t>可以，但是变量必须能容纳的下</a:t>
             </a:r>
             <a:endParaRPr lang="en-US" dirty="0"/>
           </a:p>
@@ -12836,6 +12860,128 @@
                       </p:childTnLst>
                     </p:cTn>
                   </p:par>
+                  <p:par>
+                    <p:cTn id="13" fill="hold">
+                      <p:stCondLst>
+                        <p:cond delay="indefinite"/>
+                      </p:stCondLst>
+                      <p:childTnLst>
+                        <p:par>
+                          <p:cTn id="14" fill="hold">
+                            <p:stCondLst>
+                              <p:cond delay="0"/>
+                            </p:stCondLst>
+                            <p:childTnLst>
+                              <p:par>
+                                <p:cTn id="15" presetID="10" presetClass="entr" presetSubtype="0" fill="hold" nodeType="clickEffect">
+                                  <p:stCondLst>
+                                    <p:cond delay="0"/>
+                                  </p:stCondLst>
+                                  <p:childTnLst>
+                                    <p:set>
+                                      <p:cBhvr>
+                                        <p:cTn id="16" dur="1" fill="hold">
+                                          <p:stCondLst>
+                                            <p:cond delay="0"/>
+                                          </p:stCondLst>
+                                        </p:cTn>
+                                        <p:tgtEl>
+                                          <p:spTgt spid="3">
+                                            <p:txEl>
+                                              <p:pRg st="2" end="2"/>
+                                            </p:txEl>
+                                          </p:spTgt>
+                                        </p:tgtEl>
+                                        <p:attrNameLst>
+                                          <p:attrName>style.visibility</p:attrName>
+                                        </p:attrNameLst>
+                                      </p:cBhvr>
+                                      <p:to>
+                                        <p:strVal val="visible"/>
+                                      </p:to>
+                                    </p:set>
+                                    <p:animEffect transition="in" filter="fade">
+                                      <p:cBhvr>
+                                        <p:cTn id="17" dur="500"/>
+                                        <p:tgtEl>
+                                          <p:spTgt spid="3">
+                                            <p:txEl>
+                                              <p:pRg st="2" end="2"/>
+                                            </p:txEl>
+                                          </p:spTgt>
+                                        </p:tgtEl>
+                                      </p:cBhvr>
+                                    </p:animEffect>
+                                  </p:childTnLst>
+                                </p:cTn>
+                              </p:par>
+                            </p:childTnLst>
+                          </p:cTn>
+                        </p:par>
+                      </p:childTnLst>
+                    </p:cTn>
+                  </p:par>
+                  <p:par>
+                    <p:cTn id="18" fill="hold">
+                      <p:stCondLst>
+                        <p:cond delay="indefinite"/>
+                      </p:stCondLst>
+                      <p:childTnLst>
+                        <p:par>
+                          <p:cTn id="19" fill="hold">
+                            <p:stCondLst>
+                              <p:cond delay="0"/>
+                            </p:stCondLst>
+                            <p:childTnLst>
+                              <p:par>
+                                <p:cTn id="20" presetID="10" presetClass="entr" presetSubtype="0" fill="hold" nodeType="clickEffect">
+                                  <p:stCondLst>
+                                    <p:cond delay="0"/>
+                                  </p:stCondLst>
+                                  <p:childTnLst>
+                                    <p:set>
+                                      <p:cBhvr>
+                                        <p:cTn id="21" dur="1" fill="hold">
+                                          <p:stCondLst>
+                                            <p:cond delay="0"/>
+                                          </p:stCondLst>
+                                        </p:cTn>
+                                        <p:tgtEl>
+                                          <p:spTgt spid="3">
+                                            <p:txEl>
+                                              <p:pRg st="3" end="3"/>
+                                            </p:txEl>
+                                          </p:spTgt>
+                                        </p:tgtEl>
+                                        <p:attrNameLst>
+                                          <p:attrName>style.visibility</p:attrName>
+                                        </p:attrNameLst>
+                                      </p:cBhvr>
+                                      <p:to>
+                                        <p:strVal val="visible"/>
+                                      </p:to>
+                                    </p:set>
+                                    <p:animEffect transition="in" filter="fade">
+                                      <p:cBhvr>
+                                        <p:cTn id="22" dur="500"/>
+                                        <p:tgtEl>
+                                          <p:spTgt spid="3">
+                                            <p:txEl>
+                                              <p:pRg st="3" end="3"/>
+                                            </p:txEl>
+                                          </p:spTgt>
+                                        </p:tgtEl>
+                                      </p:cBhvr>
+                                    </p:animEffect>
+                                  </p:childTnLst>
+                                </p:cTn>
+                              </p:par>
+                            </p:childTnLst>
+                          </p:cTn>
+                        </p:par>
+                      </p:childTnLst>
+                    </p:cTn>
+                  </p:par>
                 </p:childTnLst>
               </p:cTn>
               <p:prevCondLst>
@@ -12937,7 +13083,7 @@
               <a:t>236000000000000000</a:t>
             </a:r>
             <a:r>
-              <a:rPr lang="zh-CN" altLang="en-US"/>
+              <a:rPr lang="zh-CN" altLang="en-US" dirty="0"/>
               <a:t>公里（尽管有人质疑它是一个星系）。使用常量将此距离转换为光年。</a:t>
             </a:r>
             <a:endParaRPr lang="en-US" dirty="0"/>
